--- a/AudienceAPI_v2.1.pptx
+++ b/AudienceAPI_v2.1.pptx
@@ -335,7 +335,7 @@
           <a:p>
             <a:fld id="{578B668C-4522-4FD9-AAE0-2F8A75744F0F}" type="datetimeFigureOut">
               <a:rPr lang="zh-TW" altLang="en-US" smtClean="0"/>
-              <a:t>2021/11/10</a:t>
+              <a:t>2021/11/11</a:t>
             </a:fld>
             <a:endParaRPr lang="zh-TW" altLang="en-US"/>
           </a:p>
@@ -556,7 +556,7 @@
           <a:p>
             <a:fld id="{578B668C-4522-4FD9-AAE0-2F8A75744F0F}" type="datetimeFigureOut">
               <a:rPr lang="zh-TW" altLang="en-US" smtClean="0"/>
-              <a:t>2021/11/10</a:t>
+              <a:t>2021/11/11</a:t>
             </a:fld>
             <a:endParaRPr lang="zh-TW" altLang="en-US"/>
           </a:p>
@@ -736,7 +736,7 @@
           <a:p>
             <a:fld id="{578B668C-4522-4FD9-AAE0-2F8A75744F0F}" type="datetimeFigureOut">
               <a:rPr lang="zh-TW" altLang="en-US" smtClean="0"/>
-              <a:t>2021/11/10</a:t>
+              <a:t>2021/11/11</a:t>
             </a:fld>
             <a:endParaRPr lang="zh-TW" altLang="en-US"/>
           </a:p>
@@ -906,7 +906,7 @@
           <a:p>
             <a:fld id="{578B668C-4522-4FD9-AAE0-2F8A75744F0F}" type="datetimeFigureOut">
               <a:rPr lang="zh-TW" altLang="en-US" smtClean="0"/>
-              <a:t>2021/11/10</a:t>
+              <a:t>2021/11/11</a:t>
             </a:fld>
             <a:endParaRPr lang="zh-TW" altLang="en-US"/>
           </a:p>
@@ -1180,7 +1180,7 @@
           <a:p>
             <a:fld id="{578B668C-4522-4FD9-AAE0-2F8A75744F0F}" type="datetimeFigureOut">
               <a:rPr lang="zh-TW" altLang="en-US" smtClean="0"/>
-              <a:t>2021/11/10</a:t>
+              <a:t>2021/11/11</a:t>
             </a:fld>
             <a:endParaRPr lang="zh-TW" altLang="en-US"/>
           </a:p>
@@ -1503,7 +1503,7 @@
           <a:p>
             <a:fld id="{578B668C-4522-4FD9-AAE0-2F8A75744F0F}" type="datetimeFigureOut">
               <a:rPr lang="zh-TW" altLang="en-US" smtClean="0"/>
-              <a:t>2021/11/10</a:t>
+              <a:t>2021/11/11</a:t>
             </a:fld>
             <a:endParaRPr lang="zh-TW" altLang="en-US"/>
           </a:p>
@@ -1927,7 +1927,7 @@
           <a:p>
             <a:fld id="{578B668C-4522-4FD9-AAE0-2F8A75744F0F}" type="datetimeFigureOut">
               <a:rPr lang="zh-TW" altLang="en-US" smtClean="0"/>
-              <a:t>2021/11/10</a:t>
+              <a:t>2021/11/11</a:t>
             </a:fld>
             <a:endParaRPr lang="zh-TW" altLang="en-US"/>
           </a:p>
@@ -2045,7 +2045,7 @@
           <a:p>
             <a:fld id="{578B668C-4522-4FD9-AAE0-2F8A75744F0F}" type="datetimeFigureOut">
               <a:rPr lang="zh-TW" altLang="en-US" smtClean="0"/>
-              <a:t>2021/11/10</a:t>
+              <a:t>2021/11/11</a:t>
             </a:fld>
             <a:endParaRPr lang="zh-TW" altLang="en-US"/>
           </a:p>
@@ -2140,7 +2140,7 @@
           <a:p>
             <a:fld id="{578B668C-4522-4FD9-AAE0-2F8A75744F0F}" type="datetimeFigureOut">
               <a:rPr lang="zh-TW" altLang="en-US" smtClean="0"/>
-              <a:t>2021/11/10</a:t>
+              <a:t>2021/11/11</a:t>
             </a:fld>
             <a:endParaRPr lang="zh-TW" altLang="en-US"/>
           </a:p>
@@ -2430,7 +2430,7 @@
           <a:p>
             <a:fld id="{578B668C-4522-4FD9-AAE0-2F8A75744F0F}" type="datetimeFigureOut">
               <a:rPr lang="zh-TW" altLang="en-US" smtClean="0"/>
-              <a:t>2021/11/10</a:t>
+              <a:t>2021/11/11</a:t>
             </a:fld>
             <a:endParaRPr lang="zh-TW" altLang="en-US"/>
           </a:p>
@@ -2702,7 +2702,7 @@
           <a:p>
             <a:fld id="{578B668C-4522-4FD9-AAE0-2F8A75744F0F}" type="datetimeFigureOut">
               <a:rPr lang="zh-TW" altLang="en-US" smtClean="0"/>
-              <a:t>2021/11/10</a:t>
+              <a:t>2021/11/11</a:t>
             </a:fld>
             <a:endParaRPr lang="zh-TW" altLang="en-US"/>
           </a:p>
@@ -2956,7 +2956,7 @@
           <a:p>
             <a:fld id="{578B668C-4522-4FD9-AAE0-2F8A75744F0F}" type="datetimeFigureOut">
               <a:rPr lang="zh-TW" altLang="en-US" smtClean="0"/>
-              <a:t>2021/11/10</a:t>
+              <a:t>2021/11/11</a:t>
             </a:fld>
             <a:endParaRPr lang="zh-TW" altLang="en-US"/>
           </a:p>
@@ -3469,7 +3469,11 @@
           <a:p>
             <a:r>
               <a:rPr lang="en-US" altLang="zh-TW" dirty="0" smtClean="0"/>
-              <a:t>RD2 Weber Huang 2021-11-10</a:t>
+              <a:t>Weber </a:t>
+            </a:r>
+            <a:r>
+              <a:rPr lang="en-US" altLang="zh-TW" dirty="0" smtClean="0"/>
+              <a:t>Huang 2021-11-10</a:t>
             </a:r>
             <a:endParaRPr lang="zh-TW" altLang="en-US" dirty="0"/>
           </a:p>
@@ -3791,7 +3795,7 @@
           <a:p>
             <a:r>
               <a:rPr lang="zh-TW" altLang="en-US" dirty="0" smtClean="0"/>
-              <a:t>專案部屬需求</a:t>
+              <a:t>專案部屬系統需求</a:t>
             </a:r>
             <a:endParaRPr lang="zh-TW" altLang="en-US" dirty="0"/>
           </a:p>
@@ -3843,7 +3847,7 @@
             </a:r>
             <a:r>
               <a:rPr lang="zh-TW" altLang="en-US" dirty="0" smtClean="0"/>
-              <a:t>不支援平行處理</a:t>
+              <a:t>次要推薦，不支援平行處理</a:t>
             </a:r>
             <a:r>
               <a:rPr lang="en-US" altLang="zh-TW" dirty="0" smtClean="0"/>
@@ -3906,7 +3910,7 @@
             </a:r>
             <a:r>
               <a:rPr lang="zh-TW" altLang="en-US" dirty="0" smtClean="0"/>
-              <a:t>同等或以上</a:t>
+              <a:t>同等或以上記憶體配置</a:t>
             </a:r>
             <a:endParaRPr lang="en-US" altLang="zh-TW" dirty="0" smtClean="0"/>
           </a:p>
@@ -4299,35 +4303,11 @@
             </a:pPr>
             <a:r>
               <a:rPr lang="zh-TW" altLang="en-US" dirty="0" smtClean="0"/>
-              <a:t>此專案為協助 </a:t>
-            </a:r>
-            <a:r>
-              <a:rPr lang="en-US" altLang="zh-TW" dirty="0"/>
-              <a:t>RD2 </a:t>
-            </a:r>
-            <a:r>
-              <a:rPr lang="zh-TW" altLang="en-US" dirty="0"/>
-              <a:t>站</a:t>
-            </a:r>
-            <a:r>
-              <a:rPr lang="zh-TW" altLang="en-US" dirty="0" smtClean="0"/>
-              <a:t>台 </a:t>
-            </a:r>
-            <a:r>
-              <a:rPr lang="en-US" altLang="zh-TW" dirty="0" smtClean="0"/>
-              <a:t>(</a:t>
-            </a:r>
-            <a:r>
-              <a:rPr lang="zh-TW" altLang="en-US" dirty="0" smtClean="0"/>
-              <a:t>為了前後端分離</a:t>
-            </a:r>
-            <a:r>
-              <a:rPr lang="en-US" altLang="zh-TW" dirty="0" smtClean="0"/>
-              <a:t>)</a:t>
-            </a:r>
-            <a:r>
-              <a:rPr lang="zh-TW" altLang="en-US" dirty="0" smtClean="0"/>
-              <a:t> 進行</a:t>
+              <a:t>此專案為</a:t>
+            </a:r>
+            <a:r>
+              <a:rPr lang="zh-TW" altLang="en-US" dirty="0" smtClean="0"/>
+              <a:t>協助進行</a:t>
             </a:r>
             <a:r>
               <a:rPr lang="zh-TW" altLang="en-US" dirty="0"/>
@@ -4462,13 +4442,24 @@
             </a:r>
             <a:r>
               <a:rPr lang="zh-TW" altLang="en-US" dirty="0"/>
-              <a:t>，檢查任務進度與任務</a:t>
-            </a:r>
-            <a:r>
-              <a:rPr lang="zh-TW" altLang="en-US" dirty="0" smtClean="0"/>
-              <a:t>結果</a:t>
-            </a:r>
-            <a:endParaRPr lang="en-US" altLang="zh-TW" dirty="0"/>
+              <a:t>，檢查任務</a:t>
+            </a:r>
+            <a:r>
+              <a:rPr lang="zh-TW" altLang="en-US" dirty="0" smtClean="0"/>
+              <a:t>進度 </a:t>
+            </a:r>
+            <a:r>
+              <a:rPr lang="en-US" altLang="zh-TW" dirty="0" smtClean="0"/>
+              <a:t>(</a:t>
+            </a:r>
+            <a:r>
+              <a:rPr lang="zh-TW" altLang="en-US" dirty="0" smtClean="0"/>
+              <a:t>貼標與上架任務狀態</a:t>
+            </a:r>
+            <a:r>
+              <a:rPr lang="en-US" altLang="zh-TW" dirty="0" smtClean="0"/>
+              <a:t>)</a:t>
+            </a:r>
           </a:p>
           <a:p>
             <a:pPr marL="502920" indent="-457200">
@@ -4476,24 +4467,28 @@
               <a:buAutoNum type="arabicPeriod"/>
             </a:pPr>
             <a:r>
-              <a:rPr lang="en-US" altLang="zh-TW" dirty="0" err="1"/>
+              <a:rPr lang="en-US" altLang="zh-TW" dirty="0" err="1" smtClean="0"/>
               <a:t>sample_result</a:t>
             </a:r>
             <a:r>
+              <a:rPr lang="en-US" altLang="zh-TW" dirty="0" smtClean="0"/>
+              <a:t> </a:t>
+            </a:r>
+            <a:r>
               <a:rPr lang="en-US" altLang="zh-TW" dirty="0"/>
-              <a:t> : </a:t>
+              <a:t>: </a:t>
             </a:r>
             <a:r>
               <a:rPr lang="zh-TW" altLang="en-US" dirty="0"/>
               <a:t>輸入任務</a:t>
             </a:r>
             <a:r>
-              <a:rPr lang="en-US" altLang="zh-TW" dirty="0"/>
+              <a:rPr lang="en-US" altLang="zh-TW" dirty="0" smtClean="0"/>
               <a:t>ID</a:t>
             </a:r>
             <a:r>
               <a:rPr lang="zh-TW" altLang="en-US" dirty="0" smtClean="0"/>
-              <a:t>與任務結果，</a:t>
+              <a:t>，</a:t>
             </a:r>
             <a:r>
               <a:rPr lang="zh-TW" altLang="en-US" dirty="0"/>
@@ -4948,15 +4943,7 @@
             </a:r>
             <a:r>
               <a:rPr lang="en-US" altLang="zh-TW" dirty="0" smtClean="0"/>
-              <a:t>(</a:t>
-            </a:r>
-            <a:r>
-              <a:rPr lang="en-US" altLang="zh-TW" dirty="0" smtClean="0"/>
-              <a:t>task flow</a:t>
-            </a:r>
-            <a:r>
-              <a:rPr lang="en-US" altLang="zh-TW" dirty="0" smtClean="0"/>
-              <a:t>)</a:t>
+              <a:t>(task flow)</a:t>
             </a:r>
             <a:endParaRPr lang="zh-TW" altLang="en-US" dirty="0"/>
           </a:p>
@@ -5126,15 +5113,7 @@
             </a:r>
             <a:r>
               <a:rPr lang="en-US" altLang="zh-TW" dirty="0" smtClean="0"/>
-              <a:t>(</a:t>
-            </a:r>
-            <a:r>
-              <a:rPr lang="en-US" altLang="zh-TW" dirty="0" smtClean="0"/>
-              <a:t>tasks</a:t>
-            </a:r>
-            <a:r>
-              <a:rPr lang="en-US" altLang="zh-TW" dirty="0" smtClean="0"/>
-              <a:t>)</a:t>
+              <a:t>(tasks)</a:t>
             </a:r>
             <a:endParaRPr lang="zh-TW" altLang="en-US" dirty="0"/>
           </a:p>
@@ -5164,11 +5143,7 @@
           <a:p>
             <a:r>
               <a:rPr lang="zh-TW" altLang="en-US" dirty="0" smtClean="0"/>
-              <a:t>貼標任務接收到使用者定義之資料範圍，任務會透過生成器依據時間索引批次訪問資料庫</a:t>
-            </a:r>
-            <a:r>
-              <a:rPr lang="zh-TW" altLang="en-US" dirty="0" smtClean="0"/>
-              <a:t>。</a:t>
+              <a:t>貼標任務接收到使用者定義之資料範圍，任務會透過生成器依據時間索引批次訪問資料庫。</a:t>
             </a:r>
             <a:endParaRPr lang="en-US" altLang="zh-TW" dirty="0" smtClean="0"/>
           </a:p>

--- a/AudienceAPI_v2.1.pptx
+++ b/AudienceAPI_v2.1.pptx
@@ -335,7 +335,7 @@
           <a:p>
             <a:fld id="{578B668C-4522-4FD9-AAE0-2F8A75744F0F}" type="datetimeFigureOut">
               <a:rPr lang="zh-TW" altLang="en-US" smtClean="0"/>
-              <a:t>2021/11/11</a:t>
+              <a:t>2021/12/14</a:t>
             </a:fld>
             <a:endParaRPr lang="zh-TW" altLang="en-US"/>
           </a:p>
@@ -556,7 +556,7 @@
           <a:p>
             <a:fld id="{578B668C-4522-4FD9-AAE0-2F8A75744F0F}" type="datetimeFigureOut">
               <a:rPr lang="zh-TW" altLang="en-US" smtClean="0"/>
-              <a:t>2021/11/11</a:t>
+              <a:t>2021/12/14</a:t>
             </a:fld>
             <a:endParaRPr lang="zh-TW" altLang="en-US"/>
           </a:p>
@@ -736,7 +736,7 @@
           <a:p>
             <a:fld id="{578B668C-4522-4FD9-AAE0-2F8A75744F0F}" type="datetimeFigureOut">
               <a:rPr lang="zh-TW" altLang="en-US" smtClean="0"/>
-              <a:t>2021/11/11</a:t>
+              <a:t>2021/12/14</a:t>
             </a:fld>
             <a:endParaRPr lang="zh-TW" altLang="en-US"/>
           </a:p>
@@ -906,7 +906,7 @@
           <a:p>
             <a:fld id="{578B668C-4522-4FD9-AAE0-2F8A75744F0F}" type="datetimeFigureOut">
               <a:rPr lang="zh-TW" altLang="en-US" smtClean="0"/>
-              <a:t>2021/11/11</a:t>
+              <a:t>2021/12/14</a:t>
             </a:fld>
             <a:endParaRPr lang="zh-TW" altLang="en-US"/>
           </a:p>
@@ -1180,7 +1180,7 @@
           <a:p>
             <a:fld id="{578B668C-4522-4FD9-AAE0-2F8A75744F0F}" type="datetimeFigureOut">
               <a:rPr lang="zh-TW" altLang="en-US" smtClean="0"/>
-              <a:t>2021/11/11</a:t>
+              <a:t>2021/12/14</a:t>
             </a:fld>
             <a:endParaRPr lang="zh-TW" altLang="en-US"/>
           </a:p>
@@ -1503,7 +1503,7 @@
           <a:p>
             <a:fld id="{578B668C-4522-4FD9-AAE0-2F8A75744F0F}" type="datetimeFigureOut">
               <a:rPr lang="zh-TW" altLang="en-US" smtClean="0"/>
-              <a:t>2021/11/11</a:t>
+              <a:t>2021/12/14</a:t>
             </a:fld>
             <a:endParaRPr lang="zh-TW" altLang="en-US"/>
           </a:p>
@@ -1927,7 +1927,7 @@
           <a:p>
             <a:fld id="{578B668C-4522-4FD9-AAE0-2F8A75744F0F}" type="datetimeFigureOut">
               <a:rPr lang="zh-TW" altLang="en-US" smtClean="0"/>
-              <a:t>2021/11/11</a:t>
+              <a:t>2021/12/14</a:t>
             </a:fld>
             <a:endParaRPr lang="zh-TW" altLang="en-US"/>
           </a:p>
@@ -2045,7 +2045,7 @@
           <a:p>
             <a:fld id="{578B668C-4522-4FD9-AAE0-2F8A75744F0F}" type="datetimeFigureOut">
               <a:rPr lang="zh-TW" altLang="en-US" smtClean="0"/>
-              <a:t>2021/11/11</a:t>
+              <a:t>2021/12/14</a:t>
             </a:fld>
             <a:endParaRPr lang="zh-TW" altLang="en-US"/>
           </a:p>
@@ -2140,7 +2140,7 @@
           <a:p>
             <a:fld id="{578B668C-4522-4FD9-AAE0-2F8A75744F0F}" type="datetimeFigureOut">
               <a:rPr lang="zh-TW" altLang="en-US" smtClean="0"/>
-              <a:t>2021/11/11</a:t>
+              <a:t>2021/12/14</a:t>
             </a:fld>
             <a:endParaRPr lang="zh-TW" altLang="en-US"/>
           </a:p>
@@ -2430,7 +2430,7 @@
           <a:p>
             <a:fld id="{578B668C-4522-4FD9-AAE0-2F8A75744F0F}" type="datetimeFigureOut">
               <a:rPr lang="zh-TW" altLang="en-US" smtClean="0"/>
-              <a:t>2021/11/11</a:t>
+              <a:t>2021/12/14</a:t>
             </a:fld>
             <a:endParaRPr lang="zh-TW" altLang="en-US"/>
           </a:p>
@@ -2702,7 +2702,7 @@
           <a:p>
             <a:fld id="{578B668C-4522-4FD9-AAE0-2F8A75744F0F}" type="datetimeFigureOut">
               <a:rPr lang="zh-TW" altLang="en-US" smtClean="0"/>
-              <a:t>2021/11/11</a:t>
+              <a:t>2021/12/14</a:t>
             </a:fld>
             <a:endParaRPr lang="zh-TW" altLang="en-US"/>
           </a:p>
@@ -2956,7 +2956,7 @@
           <a:p>
             <a:fld id="{578B668C-4522-4FD9-AAE0-2F8A75744F0F}" type="datetimeFigureOut">
               <a:rPr lang="zh-TW" altLang="en-US" smtClean="0"/>
-              <a:t>2021/11/11</a:t>
+              <a:t>2021/12/14</a:t>
             </a:fld>
             <a:endParaRPr lang="zh-TW" altLang="en-US"/>
           </a:p>
@@ -3469,11 +3469,7 @@
           <a:p>
             <a:r>
               <a:rPr lang="en-US" altLang="zh-TW" dirty="0" smtClean="0"/>
-              <a:t>Weber </a:t>
-            </a:r>
-            <a:r>
-              <a:rPr lang="en-US" altLang="zh-TW" dirty="0" smtClean="0"/>
-              <a:t>Huang 2021-11-10</a:t>
+              <a:t>Weber Huang 2021-11-10</a:t>
             </a:r>
             <a:endParaRPr lang="zh-TW" altLang="en-US" dirty="0"/>
           </a:p>
@@ -4303,11 +4299,7 @@
             </a:pPr>
             <a:r>
               <a:rPr lang="zh-TW" altLang="en-US" dirty="0" smtClean="0"/>
-              <a:t>此專案為</a:t>
-            </a:r>
-            <a:r>
-              <a:rPr lang="zh-TW" altLang="en-US" dirty="0" smtClean="0"/>
-              <a:t>協助進行</a:t>
+              <a:t>此專案為協助進行</a:t>
             </a:r>
             <a:r>
               <a:rPr lang="zh-TW" altLang="en-US" dirty="0"/>
@@ -4492,8 +4484,48 @@
             </a:r>
             <a:r>
               <a:rPr lang="zh-TW" altLang="en-US" dirty="0"/>
-              <a:t>回傳抽樣之上架資料</a:t>
-            </a:r>
+              <a:t>回傳抽樣之上架</a:t>
+            </a:r>
+            <a:r>
+              <a:rPr lang="zh-TW" altLang="en-US" dirty="0" smtClean="0"/>
+              <a:t>資料</a:t>
+            </a:r>
+            <a:endParaRPr lang="en-US" altLang="zh-TW" dirty="0" smtClean="0"/>
+          </a:p>
+          <a:p>
+            <a:pPr marL="502920" indent="-457200">
+              <a:buFont typeface="+mj-lt"/>
+              <a:buAutoNum type="arabicPeriod"/>
+            </a:pPr>
+            <a:r>
+              <a:rPr lang="en-US" altLang="zh-TW" dirty="0" err="1" smtClean="0"/>
+              <a:t>a</a:t>
+            </a:r>
+            <a:r>
+              <a:rPr lang="en-US" altLang="zh-TW" dirty="0" err="1" smtClean="0"/>
+              <a:t>bort_task</a:t>
+            </a:r>
+            <a:r>
+              <a:rPr lang="en-US" altLang="zh-TW" dirty="0" smtClean="0"/>
+              <a:t> :</a:t>
+            </a:r>
+            <a:r>
+              <a:rPr lang="zh-TW" altLang="en-US" dirty="0"/>
+              <a:t>依據使用者定義</a:t>
+            </a:r>
+            <a:r>
+              <a:rPr lang="zh-TW" altLang="en-US" dirty="0" smtClean="0"/>
+              <a:t>之任務</a:t>
+            </a:r>
+            <a:r>
+              <a:rPr lang="en-US" altLang="zh-TW" dirty="0" smtClean="0"/>
+              <a:t>ID</a:t>
+            </a:r>
+            <a:r>
+              <a:rPr lang="zh-TW" altLang="en-US" dirty="0" smtClean="0"/>
+              <a:t>，終止任務</a:t>
+            </a:r>
+            <a:endParaRPr lang="zh-TW" altLang="en-US" dirty="0"/>
           </a:p>
         </p:txBody>
       </p:sp>
@@ -4550,9 +4582,69 @@
           </a:p>
         </p:txBody>
       </p:sp>
+      <p:sp>
+        <p:nvSpPr>
+          <p:cNvPr id="5" name="內容版面配置區 2"/>
+          <p:cNvSpPr>
+            <a:spLocks noGrp="1"/>
+          </p:cNvSpPr>
+          <p:nvPr>
+            <p:ph idx="1"/>
+          </p:nvPr>
+        </p:nvSpPr>
+        <p:spPr>
+          <a:xfrm>
+            <a:off x="1145649" y="2090651"/>
+            <a:ext cx="4706511" cy="4038600"/>
+          </a:xfrm>
+        </p:spPr>
+        <p:txBody>
+          <a:bodyPr/>
+          <a:lstStyle/>
+          <a:p>
+            <a:r>
+              <a:rPr lang="en-US" altLang="zh-TW" dirty="0" smtClean="0"/>
+              <a:t>API</a:t>
+            </a:r>
+            <a:r>
+              <a:rPr lang="zh-TW" altLang="en-US" dirty="0" smtClean="0"/>
+              <a:t> </a:t>
+            </a:r>
+            <a:endParaRPr lang="en-US" altLang="zh-TW" dirty="0" smtClean="0"/>
+          </a:p>
+          <a:p>
+            <a:r>
+              <a:rPr lang="en-US" altLang="zh-TW" dirty="0" smtClean="0"/>
+              <a:t>Task flow (celery canvas)</a:t>
+            </a:r>
+            <a:endParaRPr lang="en-US" altLang="zh-TW" dirty="0"/>
+          </a:p>
+          <a:p>
+            <a:r>
+              <a:rPr lang="en-US" altLang="zh-TW" dirty="0" smtClean="0"/>
+              <a:t>Label task </a:t>
+            </a:r>
+          </a:p>
+          <a:p>
+            <a:r>
+              <a:rPr lang="en-US" altLang="zh-TW" dirty="0" smtClean="0"/>
+              <a:t>Generate production task</a:t>
+            </a:r>
+          </a:p>
+          <a:p>
+            <a:pPr marL="45720" indent="0">
+              <a:buNone/>
+            </a:pPr>
+            <a:r>
+              <a:rPr lang="en-US" altLang="zh-TW" dirty="0" smtClean="0"/>
+              <a:t> </a:t>
+            </a:r>
+          </a:p>
+        </p:txBody>
+      </p:sp>
       <p:pic>
         <p:nvPicPr>
-          <p:cNvPr id="4" name="圖片 3"/>
+          <p:cNvPr id="3" name="圖片 2"/>
           <p:cNvPicPr>
             <a:picLocks noChangeAspect="1"/>
           </p:cNvPicPr>
@@ -4572,74 +4664,14 @@
         </p:blipFill>
         <p:spPr>
           <a:xfrm>
-            <a:off x="5931131" y="260658"/>
-            <a:ext cx="5390803" cy="6335978"/>
+            <a:off x="6532300" y="241069"/>
+            <a:ext cx="5420035" cy="6375862"/>
           </a:xfrm>
           <a:prstGeom prst="rect">
             <a:avLst/>
           </a:prstGeom>
         </p:spPr>
       </p:pic>
-      <p:sp>
-        <p:nvSpPr>
-          <p:cNvPr id="5" name="內容版面配置區 2"/>
-          <p:cNvSpPr>
-            <a:spLocks noGrp="1"/>
-          </p:cNvSpPr>
-          <p:nvPr>
-            <p:ph idx="1"/>
-          </p:nvPr>
-        </p:nvSpPr>
-        <p:spPr>
-          <a:xfrm>
-            <a:off x="1145649" y="2090651"/>
-            <a:ext cx="4706511" cy="4038600"/>
-          </a:xfrm>
-        </p:spPr>
-        <p:txBody>
-          <a:bodyPr/>
-          <a:lstStyle/>
-          <a:p>
-            <a:r>
-              <a:rPr lang="en-US" altLang="zh-TW" dirty="0" smtClean="0"/>
-              <a:t>API</a:t>
-            </a:r>
-            <a:r>
-              <a:rPr lang="zh-TW" altLang="en-US" dirty="0" smtClean="0"/>
-              <a:t> </a:t>
-            </a:r>
-            <a:endParaRPr lang="en-US" altLang="zh-TW" dirty="0" smtClean="0"/>
-          </a:p>
-          <a:p>
-            <a:r>
-              <a:rPr lang="en-US" altLang="zh-TW" dirty="0" smtClean="0"/>
-              <a:t>Task flow (celery canvas)</a:t>
-            </a:r>
-            <a:endParaRPr lang="en-US" altLang="zh-TW" dirty="0"/>
-          </a:p>
-          <a:p>
-            <a:r>
-              <a:rPr lang="en-US" altLang="zh-TW" dirty="0" smtClean="0"/>
-              <a:t>Label task </a:t>
-            </a:r>
-          </a:p>
-          <a:p>
-            <a:r>
-              <a:rPr lang="en-US" altLang="zh-TW" dirty="0" smtClean="0"/>
-              <a:t>Generate production task</a:t>
-            </a:r>
-          </a:p>
-          <a:p>
-            <a:pPr marL="45720" indent="0">
-              <a:buNone/>
-            </a:pPr>
-            <a:r>
-              <a:rPr lang="en-US" altLang="zh-TW" dirty="0" smtClean="0"/>
-              <a:t> </a:t>
-            </a:r>
-          </a:p>
-        </p:txBody>
-      </p:sp>
     </p:spTree>
     <p:extLst>
       <p:ext uri="{BB962C8B-B14F-4D97-AF65-F5344CB8AC3E}">
@@ -4701,9 +4733,190 @@
           </a:p>
         </p:txBody>
       </p:sp>
+      <p:sp>
+        <p:nvSpPr>
+          <p:cNvPr id="5" name="內容版面配置區 2"/>
+          <p:cNvSpPr>
+            <a:spLocks noGrp="1"/>
+          </p:cNvSpPr>
+          <p:nvPr>
+            <p:ph idx="1"/>
+          </p:nvPr>
+        </p:nvSpPr>
+        <p:spPr>
+          <a:xfrm>
+            <a:off x="1145649" y="2090651"/>
+            <a:ext cx="5512846" cy="4038600"/>
+          </a:xfrm>
+        </p:spPr>
+        <p:txBody>
+          <a:bodyPr>
+            <a:normAutofit fontScale="92500" lnSpcReduction="10000"/>
+          </a:bodyPr>
+          <a:lstStyle/>
+          <a:p>
+            <a:r>
+              <a:rPr lang="zh-TW" altLang="en-US" dirty="0" smtClean="0"/>
+              <a:t>使用者透過 </a:t>
+            </a:r>
+            <a:r>
+              <a:rPr lang="en-US" altLang="zh-TW" dirty="0" err="1" smtClean="0"/>
+              <a:t>create_task</a:t>
+            </a:r>
+            <a:r>
+              <a:rPr lang="en-US" altLang="zh-TW" dirty="0" smtClean="0"/>
+              <a:t> API</a:t>
+            </a:r>
+            <a:r>
+              <a:rPr lang="zh-TW" altLang="en-US" dirty="0" smtClean="0"/>
+              <a:t> </a:t>
+            </a:r>
+            <a:r>
+              <a:rPr lang="en-US" altLang="zh-TW" dirty="0" smtClean="0"/>
+              <a:t>POST</a:t>
+            </a:r>
+            <a:r>
+              <a:rPr lang="zh-TW" altLang="en-US" dirty="0" smtClean="0"/>
+              <a:t> 定義任務配置於 </a:t>
+            </a:r>
+            <a:r>
+              <a:rPr lang="en-US" altLang="zh-TW" dirty="0" smtClean="0"/>
+              <a:t>request body</a:t>
+            </a:r>
+            <a:r>
+              <a:rPr lang="zh-TW" altLang="en-US" dirty="0" smtClean="0"/>
+              <a:t> ，呼叫非同步任務執行爬取目標</a:t>
+            </a:r>
+            <a:r>
+              <a:rPr lang="zh-TW" altLang="en-US" dirty="0"/>
+              <a:t>資料</a:t>
+            </a:r>
+            <a:r>
+              <a:rPr lang="zh-TW" altLang="en-US" dirty="0" smtClean="0"/>
+              <a:t>表內容進行貼標與上架流程。</a:t>
+            </a:r>
+            <a:endParaRPr lang="en-US" altLang="zh-TW" dirty="0" smtClean="0"/>
+          </a:p>
+          <a:p>
+            <a:r>
+              <a:rPr lang="zh-TW" altLang="en-US" dirty="0" smtClean="0"/>
+              <a:t>執行中任務流程會將任務與結果相關資訊儲存於 </a:t>
+            </a:r>
+            <a:r>
+              <a:rPr lang="en-US" altLang="zh-TW" dirty="0" smtClean="0"/>
+              <a:t>state</a:t>
+            </a:r>
+            <a:r>
+              <a:rPr lang="zh-TW" altLang="en-US" dirty="0" smtClean="0"/>
+              <a:t> 追蹤資料表，上架結果資料會儲存於結果資料表。</a:t>
+            </a:r>
+            <a:endParaRPr lang="en-US" altLang="zh-TW" dirty="0" smtClean="0"/>
+          </a:p>
+          <a:p>
+            <a:r>
+              <a:rPr lang="zh-TW" altLang="en-US" dirty="0" smtClean="0"/>
+              <a:t>使用者</a:t>
+            </a:r>
+            <a:r>
+              <a:rPr lang="zh-TW" altLang="en-US" dirty="0"/>
+              <a:t>可以</a:t>
+            </a:r>
+            <a:r>
+              <a:rPr lang="zh-TW" altLang="en-US" dirty="0" smtClean="0"/>
+              <a:t>透過 </a:t>
+            </a:r>
+            <a:r>
+              <a:rPr lang="en-US" altLang="zh-TW" dirty="0" err="1" smtClean="0"/>
+              <a:t>task_list</a:t>
+            </a:r>
+            <a:r>
+              <a:rPr lang="zh-TW" altLang="en-US" dirty="0" smtClean="0"/>
+              <a:t> 訪問 </a:t>
+            </a:r>
+            <a:r>
+              <a:rPr lang="en-US" altLang="zh-TW" dirty="0" smtClean="0"/>
+              <a:t>state </a:t>
+            </a:r>
+            <a:r>
+              <a:rPr lang="zh-TW" altLang="en-US" dirty="0" smtClean="0"/>
+              <a:t>回傳近期任務資訊；或呼叫 </a:t>
+            </a:r>
+            <a:r>
+              <a:rPr lang="en-US" altLang="zh-TW" dirty="0" err="1" smtClean="0"/>
+              <a:t>check_status</a:t>
+            </a:r>
+            <a:r>
+              <a:rPr lang="zh-TW" altLang="en-US" dirty="0" smtClean="0"/>
+              <a:t>輸入任務 </a:t>
+            </a:r>
+            <a:r>
+              <a:rPr lang="en-US" altLang="zh-TW" dirty="0" smtClean="0"/>
+              <a:t>ID</a:t>
+            </a:r>
+            <a:r>
+              <a:rPr lang="zh-TW" altLang="en-US" dirty="0" smtClean="0"/>
+              <a:t> 取得單筆任務資訊</a:t>
+            </a:r>
+            <a:r>
+              <a:rPr lang="zh-TW" altLang="en-US" dirty="0"/>
+              <a:t>與結果資訊</a:t>
+            </a:r>
+            <a:endParaRPr lang="en-US" altLang="zh-TW" dirty="0" smtClean="0"/>
+          </a:p>
+          <a:p>
+            <a:r>
+              <a:rPr lang="zh-TW" altLang="en-US" dirty="0" smtClean="0"/>
+              <a:t>當任務流程成功執行結束，使用者可以透過</a:t>
+            </a:r>
+            <a:r>
+              <a:rPr lang="en-US" altLang="zh-TW" dirty="0" err="1" smtClean="0"/>
+              <a:t>sample_result</a:t>
+            </a:r>
+            <a:r>
+              <a:rPr lang="en-US" altLang="zh-TW" dirty="0" smtClean="0"/>
+              <a:t> </a:t>
+            </a:r>
+            <a:r>
+              <a:rPr lang="zh-TW" altLang="en-US" dirty="0" smtClean="0"/>
+              <a:t>訪問結果資料表取得上架抽樣</a:t>
+            </a:r>
+            <a:r>
+              <a:rPr lang="zh-TW" altLang="en-US" dirty="0" smtClean="0"/>
+              <a:t>結果</a:t>
+            </a:r>
+            <a:endParaRPr lang="en-US" altLang="zh-TW" dirty="0" smtClean="0"/>
+          </a:p>
+          <a:p>
+            <a:r>
+              <a:rPr lang="zh-TW" altLang="en-US" dirty="0" smtClean="0"/>
+              <a:t>使用者也可以透拓 </a:t>
+            </a:r>
+            <a:r>
+              <a:rPr lang="en-US" altLang="zh-TW" dirty="0" err="1" smtClean="0"/>
+              <a:t>abort_task</a:t>
+            </a:r>
+            <a:r>
+              <a:rPr lang="en-US" altLang="zh-TW" dirty="0" smtClean="0"/>
+              <a:t> </a:t>
+            </a:r>
+            <a:r>
+              <a:rPr lang="zh-TW" altLang="en-US" dirty="0" smtClean="0"/>
+              <a:t>中斷任務</a:t>
+            </a:r>
+            <a:endParaRPr lang="en-US" altLang="zh-TW" dirty="0" smtClean="0"/>
+          </a:p>
+          <a:p>
+            <a:pPr marL="502920" indent="-457200">
+              <a:buFont typeface="+mj-lt"/>
+              <a:buAutoNum type="arabicPeriod"/>
+            </a:pPr>
+            <a:endParaRPr lang="zh-TW" altLang="en-US" dirty="0"/>
+          </a:p>
+        </p:txBody>
+      </p:sp>
       <p:pic>
         <p:nvPicPr>
-          <p:cNvPr id="4" name="圖片 3"/>
+          <p:cNvPr id="6" name="圖片 5"/>
           <p:cNvPicPr>
             <a:picLocks noChangeAspect="1"/>
           </p:cNvPicPr>
@@ -4717,177 +4930,19 @@
               </a:ext>
             </a:extLst>
           </a:blip>
-          <a:srcRect r="32228" b="38515"/>
+          <a:srcRect r="35519" b="38939"/>
           <a:stretch/>
         </p:blipFill>
         <p:spPr>
           <a:xfrm>
-            <a:off x="6828906" y="845320"/>
-            <a:ext cx="4807219" cy="5125989"/>
+            <a:off x="6766561" y="609600"/>
+            <a:ext cx="5084772" cy="5664200"/>
           </a:xfrm>
           <a:prstGeom prst="rect">
             <a:avLst/>
           </a:prstGeom>
         </p:spPr>
       </p:pic>
-      <p:sp>
-        <p:nvSpPr>
-          <p:cNvPr id="5" name="內容版面配置區 2"/>
-          <p:cNvSpPr>
-            <a:spLocks noGrp="1"/>
-          </p:cNvSpPr>
-          <p:nvPr>
-            <p:ph idx="1"/>
-          </p:nvPr>
-        </p:nvSpPr>
-        <p:spPr>
-          <a:xfrm>
-            <a:off x="1145649" y="2090651"/>
-            <a:ext cx="5512846" cy="4038600"/>
-          </a:xfrm>
-        </p:spPr>
-        <p:txBody>
-          <a:bodyPr>
-            <a:normAutofit fontScale="92500"/>
-          </a:bodyPr>
-          <a:lstStyle/>
-          <a:p>
-            <a:r>
-              <a:rPr lang="zh-TW" altLang="en-US" dirty="0" smtClean="0"/>
-              <a:t>使用者透過 </a:t>
-            </a:r>
-            <a:r>
-              <a:rPr lang="en-US" altLang="zh-TW" dirty="0" err="1" smtClean="0"/>
-              <a:t>create_task</a:t>
-            </a:r>
-            <a:r>
-              <a:rPr lang="en-US" altLang="zh-TW" dirty="0" smtClean="0"/>
-              <a:t> API</a:t>
-            </a:r>
-            <a:r>
-              <a:rPr lang="zh-TW" altLang="en-US" dirty="0" smtClean="0"/>
-              <a:t> </a:t>
-            </a:r>
-            <a:r>
-              <a:rPr lang="en-US" altLang="zh-TW" dirty="0" smtClean="0"/>
-              <a:t>POST</a:t>
-            </a:r>
-            <a:r>
-              <a:rPr lang="zh-TW" altLang="en-US" dirty="0" smtClean="0"/>
-              <a:t> 定義任務配置於 </a:t>
-            </a:r>
-            <a:r>
-              <a:rPr lang="en-US" altLang="zh-TW" dirty="0" smtClean="0"/>
-              <a:t>request body</a:t>
-            </a:r>
-            <a:r>
-              <a:rPr lang="zh-TW" altLang="en-US" dirty="0" smtClean="0"/>
-              <a:t> ，呼叫非同步任務執行爬取目標</a:t>
-            </a:r>
-            <a:r>
-              <a:rPr lang="zh-TW" altLang="en-US" dirty="0"/>
-              <a:t>資料</a:t>
-            </a:r>
-            <a:r>
-              <a:rPr lang="zh-TW" altLang="en-US" dirty="0" smtClean="0"/>
-              <a:t>表內容進行貼標與上架流程。</a:t>
-            </a:r>
-            <a:endParaRPr lang="en-US" altLang="zh-TW" dirty="0" smtClean="0"/>
-          </a:p>
-          <a:p>
-            <a:r>
-              <a:rPr lang="zh-TW" altLang="en-US" dirty="0" smtClean="0"/>
-              <a:t>執行中任務流程會將任務與結果相關資訊儲存於 </a:t>
-            </a:r>
-            <a:r>
-              <a:rPr lang="en-US" altLang="zh-TW" dirty="0" smtClean="0"/>
-              <a:t>state</a:t>
-            </a:r>
-            <a:r>
-              <a:rPr lang="zh-TW" altLang="en-US" dirty="0" smtClean="0"/>
-              <a:t> 追蹤資料表，上架結果資料會儲存於結果資料表。</a:t>
-            </a:r>
-            <a:endParaRPr lang="en-US" altLang="zh-TW" dirty="0" smtClean="0"/>
-          </a:p>
-          <a:p>
-            <a:r>
-              <a:rPr lang="zh-TW" altLang="en-US" dirty="0" smtClean="0"/>
-              <a:t>使用者</a:t>
-            </a:r>
-            <a:r>
-              <a:rPr lang="zh-TW" altLang="en-US" dirty="0"/>
-              <a:t>可以</a:t>
-            </a:r>
-            <a:r>
-              <a:rPr lang="zh-TW" altLang="en-US" dirty="0" smtClean="0"/>
-              <a:t>透過 </a:t>
-            </a:r>
-            <a:r>
-              <a:rPr lang="en-US" altLang="zh-TW" dirty="0" err="1" smtClean="0"/>
-              <a:t>task_list</a:t>
-            </a:r>
-            <a:r>
-              <a:rPr lang="zh-TW" altLang="en-US" dirty="0" smtClean="0"/>
-              <a:t> 訪問 </a:t>
-            </a:r>
-            <a:r>
-              <a:rPr lang="en-US" altLang="zh-TW" dirty="0" smtClean="0"/>
-              <a:t>state </a:t>
-            </a:r>
-            <a:r>
-              <a:rPr lang="zh-TW" altLang="en-US" dirty="0" smtClean="0"/>
-              <a:t>回傳近期任務資訊；或呼叫 </a:t>
-            </a:r>
-            <a:r>
-              <a:rPr lang="en-US" altLang="zh-TW" dirty="0" err="1" smtClean="0"/>
-              <a:t>check_status</a:t>
-            </a:r>
-            <a:r>
-              <a:rPr lang="zh-TW" altLang="en-US" dirty="0" smtClean="0"/>
-              <a:t>輸入任務 </a:t>
-            </a:r>
-            <a:r>
-              <a:rPr lang="en-US" altLang="zh-TW" dirty="0" smtClean="0"/>
-              <a:t>ID</a:t>
-            </a:r>
-            <a:r>
-              <a:rPr lang="zh-TW" altLang="en-US" dirty="0" smtClean="0"/>
-              <a:t> 取得單筆任務資訊</a:t>
-            </a:r>
-            <a:r>
-              <a:rPr lang="zh-TW" altLang="en-US" dirty="0"/>
-              <a:t>與結果資訊</a:t>
-            </a:r>
-            <a:endParaRPr lang="en-US" altLang="zh-TW" dirty="0" smtClean="0"/>
-          </a:p>
-          <a:p>
-            <a:r>
-              <a:rPr lang="zh-TW" altLang="en-US" dirty="0" smtClean="0"/>
-              <a:t>當任務流程成功執行結束，使用者可以透過</a:t>
-            </a:r>
-            <a:r>
-              <a:rPr lang="en-US" altLang="zh-TW" dirty="0" err="1" smtClean="0"/>
-              <a:t>sample_result</a:t>
-            </a:r>
-            <a:r>
-              <a:rPr lang="en-US" altLang="zh-TW" dirty="0" smtClean="0"/>
-              <a:t> </a:t>
-            </a:r>
-            <a:r>
-              <a:rPr lang="zh-TW" altLang="en-US" dirty="0" smtClean="0"/>
-              <a:t>訪問結果資料表取得上架抽樣結果</a:t>
-            </a:r>
-            <a:endParaRPr lang="en-US" altLang="zh-TW" dirty="0" smtClean="0"/>
-          </a:p>
-          <a:p>
-            <a:pPr marL="502920" indent="-457200">
-              <a:buFont typeface="+mj-lt"/>
-              <a:buAutoNum type="arabicPeriod"/>
-            </a:pPr>
-            <a:endParaRPr lang="zh-TW" altLang="en-US" dirty="0"/>
-          </a:p>
-        </p:txBody>
-      </p:sp>
     </p:spTree>
     <p:extLst>
       <p:ext uri="{BB962C8B-B14F-4D97-AF65-F5344CB8AC3E}">
